--- a/Documents/Project Presentation.pptx
+++ b/Documents/Project Presentation.pptx
@@ -2650,7 +2650,7 @@
           </p:cNvPicPr>
           <p:nvPr/>
         </p:nvPicPr>
-        <p:blipFill>
+        <p:blipFill rotWithShape="1">
           <a:blip r:embed="rId2">
             <a:extLst>
               <a:ext uri="{28A0092B-C50C-407E-A947-70E740481C1C}">
@@ -2658,14 +2658,13 @@
               </a:ext>
             </a:extLst>
           </a:blip>
-          <a:stretch>
-            <a:fillRect/>
-          </a:stretch>
+          <a:srcRect r="2682"/>
+          <a:stretch/>
         </p:blipFill>
         <p:spPr>
           <a:xfrm>
-            <a:off x="1371600" y="1524000"/>
-            <a:ext cx="4854575" cy="5029200"/>
+            <a:off x="1371601" y="1524000"/>
+            <a:ext cx="4724400" cy="5029200"/>
           </a:xfrm>
           <a:prstGeom prst="rect">
             <a:avLst/>

--- a/Documents/Project Presentation.pptx
+++ b/Documents/Project Presentation.pptx
@@ -9,10 +9,8 @@
     <p:sldId id="257" r:id="rId3"/>
     <p:sldId id="258" r:id="rId4"/>
     <p:sldId id="259" r:id="rId5"/>
-    <p:sldId id="260" r:id="rId6"/>
-    <p:sldId id="262" r:id="rId7"/>
-    <p:sldId id="264" r:id="rId8"/>
-    <p:sldId id="265" r:id="rId9"/>
+    <p:sldId id="264" r:id="rId6"/>
+    <p:sldId id="265" r:id="rId7"/>
   </p:sldIdLst>
   <p:sldSz cx="12192000" cy="6858000"/>
   <p:notesSz cx="12192000" cy="6858000"/>
@@ -1862,7 +1860,7 @@
                 <a:latin typeface="Franklin Gothic Medium"/>
                 <a:cs typeface="Franklin Gothic Medium"/>
               </a:rPr>
-              <a:t>• GNMilev19 - Scrum Trainer</a:t>
+              <a:t>GNMilev19 - Scrum Trainer</a:t>
             </a:r>
           </a:p>
           <a:p>
@@ -1909,7 +1907,7 @@
                 <a:latin typeface="Franklin Gothic Medium"/>
                 <a:cs typeface="Franklin Gothic Medium"/>
               </a:rPr>
-              <a:t>• VLMladenov19 - Back-end Developer</a:t>
+              <a:t>VLMladenov19 - Back-end Developer</a:t>
             </a:r>
           </a:p>
           <a:p>
@@ -1956,7 +1954,7 @@
                 <a:latin typeface="Franklin Gothic Medium"/>
                 <a:cs typeface="Franklin Gothic Medium"/>
               </a:rPr>
-              <a:t>• SMDimitrov19 - QA Developer</a:t>
+              <a:t>SMDimitrov19 - QA Developer</a:t>
             </a:r>
           </a:p>
           <a:p>
@@ -2003,7 +2001,7 @@
                 <a:latin typeface="Franklin Gothic Medium"/>
                 <a:cs typeface="Franklin Gothic Medium"/>
               </a:rPr>
-              <a:t>• ZDNanev19 - Front-end Developer</a:t>
+              <a:t>ZDNanev19 - Front-end Developer</a:t>
             </a:r>
             <a:endParaRPr lang="en-US" sz="2400" dirty="0">
               <a:latin typeface="Franklin Gothic Medium"/>
@@ -2109,7 +2107,7 @@
         <p:spPr>
           <a:xfrm>
             <a:off x="1069594" y="1752600"/>
-            <a:ext cx="5026406" cy="3379771"/>
+            <a:ext cx="5026406" cy="3071995"/>
           </a:xfrm>
           <a:prstGeom prst="rect">
             <a:avLst/>
@@ -2142,7 +2140,7 @@
                 <a:latin typeface="Franklin Gothic Medium"/>
                 <a:cs typeface="Franklin Gothic Medium"/>
               </a:rPr>
-              <a:t>1.We had had a lot of meetings, where we discussed who and what is going to do.</a:t>
+              <a:t>We have had a lot of meetings, where we have discussed everyone’s tasks.</a:t>
             </a:r>
           </a:p>
           <a:p>
@@ -2167,7 +2165,7 @@
                 <a:latin typeface="Franklin Gothic Medium"/>
                 <a:cs typeface="Franklin Gothic Medium"/>
               </a:rPr>
-              <a:t>2.After giving away the tasks each one of us had to do, we started to realize them.</a:t>
+              <a:t>After giving away the tasks each one of us had to do, we started to realize them.</a:t>
             </a:r>
           </a:p>
           <a:p>
@@ -2192,7 +2190,7 @@
                 <a:latin typeface="Franklin Gothic Medium"/>
                 <a:cs typeface="Franklin Gothic Medium"/>
               </a:rPr>
-              <a:t>3.Everything was pretty much okay, we almost had not have any problems.</a:t>
+              <a:t>The process of the project’s realization went smooth.</a:t>
             </a:r>
           </a:p>
           <a:p>
@@ -2217,7 +2215,7 @@
                 <a:latin typeface="Franklin Gothic Medium"/>
                 <a:cs typeface="Franklin Gothic Medium"/>
               </a:rPr>
-              <a:t>4.This is where we are now, and where the code is already realized and the game is ready to play</a:t>
+              <a:t>At this point the game is done, but we still have ideas about the project, in the future.</a:t>
             </a:r>
             <a:endParaRPr sz="2000" dirty="0">
               <a:latin typeface="Franklin Gothic Medium"/>
@@ -2358,8 +2356,8 @@
         </p:blipFill>
         <p:spPr>
           <a:xfrm>
-            <a:off x="1437132" y="1802892"/>
-            <a:ext cx="1944623" cy="1964436"/>
+            <a:off x="1600200" y="1746915"/>
+            <a:ext cx="1941107" cy="1960884"/>
           </a:xfrm>
           <a:prstGeom prst="rect">
             <a:avLst/>
@@ -2380,8 +2378,8 @@
         </p:blipFill>
         <p:spPr>
           <a:xfrm>
-            <a:off x="4782311" y="1819655"/>
-            <a:ext cx="2013204" cy="1748027"/>
+            <a:off x="3960975" y="1767697"/>
+            <a:ext cx="2288850" cy="1956266"/>
           </a:xfrm>
           <a:prstGeom prst="rect">
             <a:avLst/>
@@ -2402,8 +2400,8 @@
         </p:blipFill>
         <p:spPr>
           <a:xfrm>
-            <a:off x="8380476" y="1636776"/>
-            <a:ext cx="2080260" cy="2080260"/>
+            <a:off x="6908800" y="1746915"/>
+            <a:ext cx="2099282" cy="1951648"/>
           </a:xfrm>
           <a:prstGeom prst="rect">
             <a:avLst/>
@@ -2424,8 +2422,8 @@
         </p:blipFill>
         <p:spPr>
           <a:xfrm>
-            <a:off x="2784348" y="4351020"/>
-            <a:ext cx="1997964" cy="1997964"/>
+            <a:off x="2448961" y="4475881"/>
+            <a:ext cx="1705462" cy="1705462"/>
           </a:xfrm>
           <a:prstGeom prst="rect">
             <a:avLst/>
@@ -2446,8 +2444,80 @@
         </p:blipFill>
         <p:spPr>
           <a:xfrm>
-            <a:off x="6795516" y="4433315"/>
-            <a:ext cx="1965960" cy="1833372"/>
+            <a:off x="5105400" y="4475881"/>
+            <a:ext cx="1828800" cy="1705462"/>
+          </a:xfrm>
+          <a:prstGeom prst="rect">
+            <a:avLst/>
+          </a:prstGeom>
+        </p:spPr>
+      </p:pic>
+      <p:pic>
+        <p:nvPicPr>
+          <p:cNvPr id="9" name="Picture 8" descr="Icon&#10;&#10;Description automatically generated">
+            <a:extLst>
+              <a:ext uri="{FF2B5EF4-FFF2-40B4-BE49-F238E27FC236}">
+                <a16:creationId xmlns:a16="http://schemas.microsoft.com/office/drawing/2014/main" id="{BEAD8DD5-C70E-4F1F-9565-DF6E8B84AFBD}"/>
+              </a:ext>
+            </a:extLst>
+          </p:cNvPr>
+          <p:cNvPicPr>
+            <a:picLocks noChangeAspect="1"/>
+          </p:cNvPicPr>
+          <p:nvPr/>
+        </p:nvPicPr>
+        <p:blipFill>
+          <a:blip r:embed="rId7" cstate="print">
+            <a:extLst>
+              <a:ext uri="{28A0092B-C50C-407E-A947-70E740481C1C}">
+                <a14:useLocalDpi xmlns:a14="http://schemas.microsoft.com/office/drawing/2010/main" val="0"/>
+              </a:ext>
+            </a:extLst>
+          </a:blip>
+          <a:stretch>
+            <a:fillRect/>
+          </a:stretch>
+        </p:blipFill>
+        <p:spPr>
+          <a:xfrm>
+            <a:off x="9613667" y="1767697"/>
+            <a:ext cx="1956266" cy="1956266"/>
+          </a:xfrm>
+          <a:prstGeom prst="rect">
+            <a:avLst/>
+          </a:prstGeom>
+        </p:spPr>
+      </p:pic>
+      <p:pic>
+        <p:nvPicPr>
+          <p:cNvPr id="13" name="Picture 12" descr="Text, icon&#10;&#10;Description automatically generated">
+            <a:extLst>
+              <a:ext uri="{FF2B5EF4-FFF2-40B4-BE49-F238E27FC236}">
+                <a16:creationId xmlns:a16="http://schemas.microsoft.com/office/drawing/2014/main" id="{612811B2-51E5-4FAB-ABF8-6A35A69B09E5}"/>
+              </a:ext>
+            </a:extLst>
+          </p:cNvPr>
+          <p:cNvPicPr>
+            <a:picLocks noChangeAspect="1"/>
+          </p:cNvPicPr>
+          <p:nvPr/>
+        </p:nvPicPr>
+        <p:blipFill>
+          <a:blip r:embed="rId8" cstate="print">
+            <a:extLst>
+              <a:ext uri="{28A0092B-C50C-407E-A947-70E740481C1C}">
+                <a14:useLocalDpi xmlns:a14="http://schemas.microsoft.com/office/drawing/2010/main" val="0"/>
+              </a:ext>
+            </a:extLst>
+          </a:blip>
+          <a:stretch>
+            <a:fillRect/>
+          </a:stretch>
+        </p:blipFill>
+        <p:spPr>
+          <a:xfrm>
+            <a:off x="7200802" y="3505200"/>
+            <a:ext cx="3989177" cy="3989177"/>
           </a:xfrm>
           <a:prstGeom prst="rect">
             <a:avLst/>
@@ -2463,237 +2533,6 @@
 </file>
 
 <file path=ppt/slides/slide5.xml><?xml version="1.0" encoding="utf-8"?>
-<p:sld xmlns:a="http://schemas.openxmlformats.org/drawingml/2006/main" xmlns:r="http://schemas.openxmlformats.org/officeDocument/2006/relationships" xmlns:p="http://schemas.openxmlformats.org/presentationml/2006/main">
-  <p:cSld>
-    <p:spTree>
-      <p:nvGrpSpPr>
-        <p:cNvPr id="1" name=""/>
-        <p:cNvGrpSpPr/>
-        <p:nvPr/>
-      </p:nvGrpSpPr>
-      <p:grpSpPr>
-        <a:xfrm>
-          <a:off x="0" y="0"/>
-          <a:ext cx="0" cy="0"/>
-          <a:chOff x="0" y="0"/>
-          <a:chExt cx="0" cy="0"/>
-        </a:xfrm>
-      </p:grpSpPr>
-      <p:sp>
-        <p:nvSpPr>
-          <p:cNvPr id="2" name="object 2"/>
-          <p:cNvSpPr txBox="1">
-            <a:spLocks noGrp="1"/>
-          </p:cNvSpPr>
-          <p:nvPr>
-            <p:ph type="title"/>
-          </p:nvPr>
-        </p:nvSpPr>
-        <p:spPr>
-          <a:xfrm>
-            <a:off x="1450594" y="627633"/>
-            <a:ext cx="8988425" cy="1300356"/>
-          </a:xfrm>
-          <a:prstGeom prst="rect">
-            <a:avLst/>
-          </a:prstGeom>
-        </p:spPr>
-        <p:txBody>
-          <a:bodyPr vert="horz" wrap="square" lIns="0" tIns="93980" rIns="0" bIns="0" rtlCol="0">
-            <a:spAutoFit/>
-          </a:bodyPr>
-          <a:lstStyle/>
-          <a:p>
-            <a:pPr marL="12700" marR="5080">
-              <a:lnSpc>
-                <a:spcPts val="4700"/>
-              </a:lnSpc>
-              <a:spcBef>
-                <a:spcPts val="740"/>
-              </a:spcBef>
-            </a:pPr>
-            <a:r>
-              <a:rPr lang="en-US" spc="-30" dirty="0"/>
-              <a:t>Functions we used for developing the game.</a:t>
-            </a:r>
-            <a:endParaRPr spc="-200" dirty="0"/>
-          </a:p>
-        </p:txBody>
-      </p:sp>
-      <p:pic>
-        <p:nvPicPr>
-          <p:cNvPr id="6" name="Picture 5">
-            <a:extLst>
-              <a:ext uri="{FF2B5EF4-FFF2-40B4-BE49-F238E27FC236}">
-                <a16:creationId xmlns:a16="http://schemas.microsoft.com/office/drawing/2014/main" id="{5264311F-9FEF-49F2-BA31-DCC0DD7CBF99}"/>
-              </a:ext>
-            </a:extLst>
-          </p:cNvPr>
-          <p:cNvPicPr>
-            <a:picLocks noChangeAspect="1"/>
-          </p:cNvPicPr>
-          <p:nvPr/>
-        </p:nvPicPr>
-        <p:blipFill>
-          <a:blip r:embed="rId2">
-            <a:extLst>
-              <a:ext uri="{28A0092B-C50C-407E-A947-70E740481C1C}">
-                <a14:useLocalDpi xmlns:a14="http://schemas.microsoft.com/office/drawing/2010/main" val="0"/>
-              </a:ext>
-            </a:extLst>
-          </a:blip>
-          <a:stretch>
-            <a:fillRect/>
-          </a:stretch>
-        </p:blipFill>
-        <p:spPr>
-          <a:xfrm>
-            <a:off x="3962400" y="1915412"/>
-            <a:ext cx="5435852" cy="4562888"/>
-          </a:xfrm>
-          <a:prstGeom prst="rect">
-            <a:avLst/>
-          </a:prstGeom>
-          <a:ln w="228600" cap="sq" cmpd="thickThin">
-            <a:solidFill>
-              <a:schemeClr val="accent1">
-                <a:lumMod val="50000"/>
-              </a:schemeClr>
-            </a:solidFill>
-            <a:prstDash val="solid"/>
-            <a:miter lim="800000"/>
-          </a:ln>
-          <a:effectLst>
-            <a:innerShdw blurRad="76200">
-              <a:srgbClr val="000000"/>
-            </a:innerShdw>
-          </a:effectLst>
-        </p:spPr>
-      </p:pic>
-    </p:spTree>
-  </p:cSld>
-  <p:clrMapOvr>
-    <a:masterClrMapping/>
-  </p:clrMapOvr>
-</p:sld>
-</file>
-
-<file path=ppt/slides/slide6.xml><?xml version="1.0" encoding="utf-8"?>
-<p:sld xmlns:a="http://schemas.openxmlformats.org/drawingml/2006/main" xmlns:r="http://schemas.openxmlformats.org/officeDocument/2006/relationships" xmlns:p="http://schemas.openxmlformats.org/presentationml/2006/main">
-  <p:cSld>
-    <p:spTree>
-      <p:nvGrpSpPr>
-        <p:cNvPr id="1" name=""/>
-        <p:cNvGrpSpPr/>
-        <p:nvPr/>
-      </p:nvGrpSpPr>
-      <p:grpSpPr>
-        <a:xfrm>
-          <a:off x="0" y="0"/>
-          <a:ext cx="0" cy="0"/>
-          <a:chOff x="0" y="0"/>
-          <a:chExt cx="0" cy="0"/>
-        </a:xfrm>
-      </p:grpSpPr>
-      <p:sp>
-        <p:nvSpPr>
-          <p:cNvPr id="2" name="object 2"/>
-          <p:cNvSpPr txBox="1">
-            <a:spLocks noGrp="1"/>
-          </p:cNvSpPr>
-          <p:nvPr>
-            <p:ph type="title"/>
-          </p:nvPr>
-        </p:nvSpPr>
-        <p:spPr>
-          <a:xfrm>
-            <a:off x="1326007" y="486282"/>
-            <a:ext cx="5381625" cy="696595"/>
-          </a:xfrm>
-          <a:prstGeom prst="rect">
-            <a:avLst/>
-          </a:prstGeom>
-        </p:spPr>
-        <p:txBody>
-          <a:bodyPr vert="horz" wrap="square" lIns="0" tIns="13335" rIns="0" bIns="0" rtlCol="0">
-            <a:spAutoFit/>
-          </a:bodyPr>
-          <a:lstStyle/>
-          <a:p>
-            <a:pPr marL="12700">
-              <a:lnSpc>
-                <a:spcPct val="100000"/>
-              </a:lnSpc>
-              <a:spcBef>
-                <a:spcPts val="105"/>
-              </a:spcBef>
-            </a:pPr>
-            <a:r>
-              <a:rPr lang="en-US" spc="-55" dirty="0"/>
-              <a:t>Showing off the menu</a:t>
-            </a:r>
-            <a:endParaRPr spc="-105" dirty="0"/>
-          </a:p>
-        </p:txBody>
-      </p:sp>
-      <p:pic>
-        <p:nvPicPr>
-          <p:cNvPr id="5" name="Picture 4">
-            <a:extLst>
-              <a:ext uri="{FF2B5EF4-FFF2-40B4-BE49-F238E27FC236}">
-                <a16:creationId xmlns:a16="http://schemas.microsoft.com/office/drawing/2014/main" id="{7C854764-9FF5-4A4A-8ABD-A3B588ECB606}"/>
-              </a:ext>
-            </a:extLst>
-          </p:cNvPr>
-          <p:cNvPicPr>
-            <a:picLocks noChangeAspect="1"/>
-          </p:cNvPicPr>
-          <p:nvPr/>
-        </p:nvPicPr>
-        <p:blipFill rotWithShape="1">
-          <a:blip r:embed="rId2">
-            <a:extLst>
-              <a:ext uri="{28A0092B-C50C-407E-A947-70E740481C1C}">
-                <a14:useLocalDpi xmlns:a14="http://schemas.microsoft.com/office/drawing/2010/main" val="0"/>
-              </a:ext>
-            </a:extLst>
-          </a:blip>
-          <a:srcRect r="2682"/>
-          <a:stretch/>
-        </p:blipFill>
-        <p:spPr>
-          <a:xfrm>
-            <a:off x="1371601" y="1524000"/>
-            <a:ext cx="4724400" cy="5029200"/>
-          </a:xfrm>
-          <a:prstGeom prst="rect">
-            <a:avLst/>
-          </a:prstGeom>
-          <a:ln w="228600" cap="sq" cmpd="thickThin">
-            <a:solidFill>
-              <a:schemeClr val="tx2">
-                <a:lumMod val="50000"/>
-              </a:schemeClr>
-            </a:solidFill>
-            <a:prstDash val="solid"/>
-            <a:miter lim="800000"/>
-          </a:ln>
-          <a:effectLst>
-            <a:innerShdw blurRad="76200">
-              <a:srgbClr val="000000"/>
-            </a:innerShdw>
-          </a:effectLst>
-        </p:spPr>
-      </p:pic>
-    </p:spTree>
-  </p:cSld>
-  <p:clrMapOvr>
-    <a:masterClrMapping/>
-  </p:clrMapOvr>
-</p:sld>
-</file>
-
-<file path=ppt/slides/slide7.xml><?xml version="1.0" encoding="utf-8"?>
 <p:sld xmlns:a="http://schemas.openxmlformats.org/drawingml/2006/main" xmlns:r="http://schemas.openxmlformats.org/officeDocument/2006/relationships" xmlns:p="http://schemas.openxmlformats.org/presentationml/2006/main">
   <p:cSld>
     <p:spTree>
@@ -2740,7 +2579,7 @@
 </p:sld>
 </file>
 
-<file path=ppt/slides/slide8.xml><?xml version="1.0" encoding="utf-8"?>
+<file path=ppt/slides/slide6.xml><?xml version="1.0" encoding="utf-8"?>
 <p:sld xmlns:a="http://schemas.openxmlformats.org/drawingml/2006/main" xmlns:r="http://schemas.openxmlformats.org/officeDocument/2006/relationships" xmlns:p="http://schemas.openxmlformats.org/presentationml/2006/main">
   <p:cSld>
     <p:spTree>

--- a/Documents/Project Presentation.pptx
+++ b/Documents/Project Presentation.pptx
@@ -9,8 +9,10 @@
     <p:sldId id="257" r:id="rId3"/>
     <p:sldId id="258" r:id="rId4"/>
     <p:sldId id="259" r:id="rId5"/>
-    <p:sldId id="264" r:id="rId6"/>
-    <p:sldId id="265" r:id="rId7"/>
+    <p:sldId id="266" r:id="rId6"/>
+    <p:sldId id="267" r:id="rId7"/>
+    <p:sldId id="264" r:id="rId8"/>
+    <p:sldId id="265" r:id="rId9"/>
   </p:sldIdLst>
   <p:sldSz cx="12192000" cy="6858000"/>
   <p:notesSz cx="12192000" cy="6858000"/>
@@ -2549,6 +2551,262 @@
           <a:chExt cx="0" cy="0"/>
         </a:xfrm>
       </p:grpSpPr>
+      <p:sp>
+        <p:nvSpPr>
+          <p:cNvPr id="2" name="Title 1">
+            <a:extLst>
+              <a:ext uri="{FF2B5EF4-FFF2-40B4-BE49-F238E27FC236}">
+                <a16:creationId xmlns:a16="http://schemas.microsoft.com/office/drawing/2014/main" id="{3DB168A8-11BD-4A91-B3E3-27E662BBA8D7}"/>
+              </a:ext>
+            </a:extLst>
+          </p:cNvPr>
+          <p:cNvSpPr>
+            <a:spLocks noGrp="1"/>
+          </p:cNvSpPr>
+          <p:nvPr>
+            <p:ph type="title"/>
+          </p:nvPr>
+        </p:nvSpPr>
+        <p:spPr>
+          <a:xfrm>
+            <a:off x="2042541" y="381000"/>
+            <a:ext cx="8106918" cy="696595"/>
+          </a:xfrm>
+        </p:spPr>
+        <p:txBody>
+          <a:bodyPr/>
+          <a:lstStyle/>
+          <a:p>
+            <a:r>
+              <a:rPr lang="en-US" dirty="0"/>
+              <a:t>Used functions</a:t>
+            </a:r>
+          </a:p>
+        </p:txBody>
+      </p:sp>
+      <p:pic>
+        <p:nvPicPr>
+          <p:cNvPr id="6" name="Picture 5">
+            <a:extLst>
+              <a:ext uri="{FF2B5EF4-FFF2-40B4-BE49-F238E27FC236}">
+                <a16:creationId xmlns:a16="http://schemas.microsoft.com/office/drawing/2014/main" id="{5A1E9112-050E-416C-AA9F-0CEBA5E0F0E5}"/>
+              </a:ext>
+            </a:extLst>
+          </p:cNvPr>
+          <p:cNvPicPr>
+            <a:picLocks noChangeAspect="1"/>
+          </p:cNvPicPr>
+          <p:nvPr/>
+        </p:nvPicPr>
+        <p:blipFill>
+          <a:blip r:embed="rId2"/>
+          <a:stretch>
+            <a:fillRect/>
+          </a:stretch>
+        </p:blipFill>
+        <p:spPr>
+          <a:xfrm>
+            <a:off x="1752600" y="1447800"/>
+            <a:ext cx="9431307" cy="4648200"/>
+          </a:xfrm>
+          <a:prstGeom prst="rect">
+            <a:avLst/>
+          </a:prstGeom>
+          <a:ln>
+            <a:noFill/>
+          </a:ln>
+          <a:effectLst>
+            <a:outerShdw blurRad="292100" dist="139700" dir="2700000" algn="tl" rotWithShape="0">
+              <a:srgbClr val="333333">
+                <a:alpha val="65000"/>
+              </a:srgbClr>
+            </a:outerShdw>
+          </a:effectLst>
+        </p:spPr>
+      </p:pic>
+    </p:spTree>
+    <p:extLst>
+      <p:ext uri="{BB962C8B-B14F-4D97-AF65-F5344CB8AC3E}">
+        <p14:creationId xmlns:p14="http://schemas.microsoft.com/office/powerpoint/2010/main" val="3505953586"/>
+      </p:ext>
+    </p:extLst>
+  </p:cSld>
+  <p:clrMapOvr>
+    <a:masterClrMapping/>
+  </p:clrMapOvr>
+</p:sld>
+</file>
+
+<file path=ppt/slides/slide6.xml><?xml version="1.0" encoding="utf-8"?>
+<p:sld xmlns:a="http://schemas.openxmlformats.org/drawingml/2006/main" xmlns:r="http://schemas.openxmlformats.org/officeDocument/2006/relationships" xmlns:p="http://schemas.openxmlformats.org/presentationml/2006/main">
+  <p:cSld>
+    <p:spTree>
+      <p:nvGrpSpPr>
+        <p:cNvPr id="1" name=""/>
+        <p:cNvGrpSpPr/>
+        <p:nvPr/>
+      </p:nvGrpSpPr>
+      <p:grpSpPr>
+        <a:xfrm>
+          <a:off x="0" y="0"/>
+          <a:ext cx="0" cy="0"/>
+          <a:chOff x="0" y="0"/>
+          <a:chExt cx="0" cy="0"/>
+        </a:xfrm>
+      </p:grpSpPr>
+      <p:sp>
+        <p:nvSpPr>
+          <p:cNvPr id="2" name="Title 1">
+            <a:extLst>
+              <a:ext uri="{FF2B5EF4-FFF2-40B4-BE49-F238E27FC236}">
+                <a16:creationId xmlns:a16="http://schemas.microsoft.com/office/drawing/2014/main" id="{96AD83F8-B9D3-44E9-B592-76F4D948796B}"/>
+              </a:ext>
+            </a:extLst>
+          </p:cNvPr>
+          <p:cNvSpPr>
+            <a:spLocks noGrp="1"/>
+          </p:cNvSpPr>
+          <p:nvPr>
+            <p:ph type="title"/>
+          </p:nvPr>
+        </p:nvSpPr>
+        <p:spPr>
+          <a:xfrm>
+            <a:off x="1828800" y="457200"/>
+            <a:ext cx="8106918" cy="696595"/>
+          </a:xfrm>
+        </p:spPr>
+        <p:txBody>
+          <a:bodyPr/>
+          <a:lstStyle/>
+          <a:p>
+            <a:r>
+              <a:rPr lang="en-US" dirty="0"/>
+              <a:t>Menu photos</a:t>
+            </a:r>
+          </a:p>
+        </p:txBody>
+      </p:sp>
+      <p:pic>
+        <p:nvPicPr>
+          <p:cNvPr id="4" name="Picture 3">
+            <a:extLst>
+              <a:ext uri="{FF2B5EF4-FFF2-40B4-BE49-F238E27FC236}">
+                <a16:creationId xmlns:a16="http://schemas.microsoft.com/office/drawing/2014/main" id="{D5423C59-D586-4D51-BD1E-A614A9BD6FDC}"/>
+              </a:ext>
+            </a:extLst>
+          </p:cNvPr>
+          <p:cNvPicPr>
+            <a:picLocks noChangeAspect="1"/>
+          </p:cNvPicPr>
+          <p:nvPr/>
+        </p:nvPicPr>
+        <p:blipFill>
+          <a:blip r:embed="rId2"/>
+          <a:stretch>
+            <a:fillRect/>
+          </a:stretch>
+        </p:blipFill>
+        <p:spPr>
+          <a:xfrm>
+            <a:off x="1828800" y="1854200"/>
+            <a:ext cx="3757670" cy="3904005"/>
+          </a:xfrm>
+          <a:prstGeom prst="rect">
+            <a:avLst/>
+          </a:prstGeom>
+        </p:spPr>
+      </p:pic>
+      <p:pic>
+        <p:nvPicPr>
+          <p:cNvPr id="6" name="Picture 5">
+            <a:extLst>
+              <a:ext uri="{FF2B5EF4-FFF2-40B4-BE49-F238E27FC236}">
+                <a16:creationId xmlns:a16="http://schemas.microsoft.com/office/drawing/2014/main" id="{CDC89E1F-6C35-49DA-9E46-EBDDABC05FC9}"/>
+              </a:ext>
+            </a:extLst>
+          </p:cNvPr>
+          <p:cNvPicPr>
+            <a:picLocks noChangeAspect="1"/>
+          </p:cNvPicPr>
+          <p:nvPr/>
+        </p:nvPicPr>
+        <p:blipFill>
+          <a:blip r:embed="rId3"/>
+          <a:stretch>
+            <a:fillRect/>
+          </a:stretch>
+        </p:blipFill>
+        <p:spPr>
+          <a:xfrm>
+            <a:off x="6383909" y="305269"/>
+            <a:ext cx="4711700" cy="3047062"/>
+          </a:xfrm>
+          <a:prstGeom prst="rect">
+            <a:avLst/>
+          </a:prstGeom>
+        </p:spPr>
+      </p:pic>
+      <p:pic>
+        <p:nvPicPr>
+          <p:cNvPr id="8" name="Picture 7">
+            <a:extLst>
+              <a:ext uri="{FF2B5EF4-FFF2-40B4-BE49-F238E27FC236}">
+                <a16:creationId xmlns:a16="http://schemas.microsoft.com/office/drawing/2014/main" id="{88331C3F-FAC6-4017-A1A9-1E76F6A01522}"/>
+              </a:ext>
+            </a:extLst>
+          </p:cNvPr>
+          <p:cNvPicPr>
+            <a:picLocks noChangeAspect="1"/>
+          </p:cNvPicPr>
+          <p:nvPr/>
+        </p:nvPicPr>
+        <p:blipFill>
+          <a:blip r:embed="rId4"/>
+          <a:stretch>
+            <a:fillRect/>
+          </a:stretch>
+        </p:blipFill>
+        <p:spPr>
+          <a:xfrm>
+            <a:off x="5897118" y="3435198"/>
+            <a:ext cx="5715000" cy="2965602"/>
+          </a:xfrm>
+          <a:prstGeom prst="rect">
+            <a:avLst/>
+          </a:prstGeom>
+        </p:spPr>
+      </p:pic>
+    </p:spTree>
+    <p:extLst>
+      <p:ext uri="{BB962C8B-B14F-4D97-AF65-F5344CB8AC3E}">
+        <p14:creationId xmlns:p14="http://schemas.microsoft.com/office/powerpoint/2010/main" val="4146248606"/>
+      </p:ext>
+    </p:extLst>
+  </p:cSld>
+  <p:clrMapOvr>
+    <a:masterClrMapping/>
+  </p:clrMapOvr>
+</p:sld>
+</file>
+
+<file path=ppt/slides/slide7.xml><?xml version="1.0" encoding="utf-8"?>
+<p:sld xmlns:a="http://schemas.openxmlformats.org/drawingml/2006/main" xmlns:r="http://schemas.openxmlformats.org/officeDocument/2006/relationships" xmlns:p="http://schemas.openxmlformats.org/presentationml/2006/main">
+  <p:cSld>
+    <p:spTree>
+      <p:nvGrpSpPr>
+        <p:cNvPr id="1" name=""/>
+        <p:cNvGrpSpPr/>
+        <p:nvPr/>
+      </p:nvGrpSpPr>
+      <p:grpSpPr>
+        <a:xfrm>
+          <a:off x="0" y="0"/>
+          <a:ext cx="0" cy="0"/>
+          <a:chOff x="0" y="0"/>
+          <a:chExt cx="0" cy="0"/>
+        </a:xfrm>
+      </p:grpSpPr>
       <p:pic>
         <p:nvPicPr>
           <p:cNvPr id="2" name="object 2"/>
@@ -2579,7 +2837,7 @@
 </p:sld>
 </file>
 
-<file path=ppt/slides/slide6.xml><?xml version="1.0" encoding="utf-8"?>
+<file path=ppt/slides/slide8.xml><?xml version="1.0" encoding="utf-8"?>
 <p:sld xmlns:a="http://schemas.openxmlformats.org/drawingml/2006/main" xmlns:r="http://schemas.openxmlformats.org/officeDocument/2006/relationships" xmlns:p="http://schemas.openxmlformats.org/presentationml/2006/main">
   <p:cSld>
     <p:spTree>

--- a/Documents/Project Presentation.pptx
+++ b/Documents/Project Presentation.pptx
@@ -1670,6 +1670,10 @@
           </p:nvPr>
         </p:nvSpPr>
         <p:spPr>
+          <a:xfrm>
+            <a:off x="578427" y="2590800"/>
+            <a:ext cx="7093204" cy="1123314"/>
+          </a:xfrm>
           <a:prstGeom prst="rect">
             <a:avLst/>
           </a:prstGeom>
@@ -1716,7 +1720,7 @@
         </p:nvSpPr>
         <p:spPr>
           <a:xfrm>
-            <a:off x="4343400" y="3827601"/>
+            <a:off x="1512478" y="3829050"/>
             <a:ext cx="2205736" cy="382156"/>
           </a:xfrm>
           <a:prstGeom prst="rect">
@@ -1754,6 +1758,42 @@
           </a:p>
         </p:txBody>
       </p:sp>
+      <p:pic>
+        <p:nvPicPr>
+          <p:cNvPr id="5" name="Picture 4" descr="A picture containing text&#10;&#10;Description automatically generated">
+            <a:extLst>
+              <a:ext uri="{FF2B5EF4-FFF2-40B4-BE49-F238E27FC236}">
+                <a16:creationId xmlns:a16="http://schemas.microsoft.com/office/drawing/2014/main" id="{17639519-6212-4546-B514-A5EF784709BB}"/>
+              </a:ext>
+            </a:extLst>
+          </p:cNvPr>
+          <p:cNvPicPr>
+            <a:picLocks noChangeAspect="1"/>
+          </p:cNvPicPr>
+          <p:nvPr/>
+        </p:nvPicPr>
+        <p:blipFill>
+          <a:blip r:embed="rId2">
+            <a:extLst>
+              <a:ext uri="{28A0092B-C50C-407E-A947-70E740481C1C}">
+                <a14:useLocalDpi xmlns:a14="http://schemas.microsoft.com/office/drawing/2010/main" val="0"/>
+              </a:ext>
+            </a:extLst>
+          </a:blip>
+          <a:stretch>
+            <a:fillRect/>
+          </a:stretch>
+        </p:blipFill>
+        <p:spPr>
+          <a:xfrm>
+            <a:off x="6858000" y="1447800"/>
+            <a:ext cx="4762500" cy="4762500"/>
+          </a:xfrm>
+          <a:prstGeom prst="rect">
+            <a:avLst/>
+          </a:prstGeom>
+        </p:spPr>
+      </p:pic>
     </p:spTree>
   </p:cSld>
   <p:clrMapOvr>
